--- a/predavanja/prezentacije/IP01-02-Uvod u Internet.pptx
+++ b/predavanja/prezentacije/IP01-02-Uvod u Internet.pptx
@@ -307,7 +307,7 @@
           <a:p>
             <a:fld id="{F07B70C6-757F-4600-A347-5E68BBCA3609}" type="datetimeFigureOut">
               <a:rPr lang="en-US" smtClean="0"/>
-              <a:t>10/2/2016</a:t>
+              <a:t>10/22/2018</a:t>
             </a:fld>
             <a:endParaRPr lang="en-US"/>
           </a:p>
@@ -472,7 +472,7 @@
           <a:p>
             <a:fld id="{6B3683FA-0560-4266-A2CA-8A7D404C35FD}" type="datetimeFigureOut">
               <a:rPr lang="en-US" smtClean="0"/>
-              <a:t>10/2/2016</a:t>
+              <a:t>10/22/2018</a:t>
             </a:fld>
             <a:endParaRPr lang="en-US"/>
           </a:p>

--- a/predavanja/prezentacije/IP01-02-Uvod u Internet.pptx
+++ b/predavanja/prezentacije/IP01-02-Uvod u Internet.pptx
@@ -307,7 +307,7 @@
           <a:p>
             <a:fld id="{F07B70C6-757F-4600-A347-5E68BBCA3609}" type="datetimeFigureOut">
               <a:rPr lang="en-US" smtClean="0"/>
-              <a:t>10/22/2018</a:t>
+              <a:t>10/23/2018</a:t>
             </a:fld>
             <a:endParaRPr lang="en-US"/>
           </a:p>
@@ -472,7 +472,7 @@
           <a:p>
             <a:fld id="{6B3683FA-0560-4266-A2CA-8A7D404C35FD}" type="datetimeFigureOut">
               <a:rPr lang="en-US" smtClean="0"/>
-              <a:t>10/22/2018</a:t>
+              <a:t>10/23/2018</a:t>
             </a:fld>
             <a:endParaRPr lang="en-US"/>
           </a:p>
@@ -10062,7 +10062,23 @@
             </a:r>
             <a:r>
               <a:rPr lang="pl-PL" altLang="en-US" dirty="0" smtClean="0"/>
-              <a:t>postdiplomaca sa funiverziteta koji su imali ugovor sa Ministarstvom odbrane USA</a:t>
+              <a:t>postdiplomaca </a:t>
+            </a:r>
+            <a:r>
+              <a:rPr lang="pl-PL" altLang="en-US" dirty="0" err="1" smtClean="0"/>
+              <a:t>sa</a:t>
+            </a:r>
+            <a:r>
+              <a:rPr lang="pl-PL" altLang="en-US" dirty="0" smtClean="0"/>
+              <a:t> </a:t>
+            </a:r>
+            <a:r>
+              <a:rPr lang="pl-PL" altLang="en-US" dirty="0" err="1" smtClean="0"/>
+              <a:t>univerziteta</a:t>
+            </a:r>
+            <a:r>
+              <a:rPr lang="pl-PL" altLang="en-US" dirty="0" smtClean="0"/>
+              <a:t> koji su imali ugovor sa Ministarstvom odbrane USA</a:t>
             </a:r>
             <a:endParaRPr lang="pl-PL" altLang="en-US" dirty="0"/>
           </a:p>
@@ -14449,11 +14465,19 @@
             </a:r>
             <a:r>
               <a:rPr lang="sr-Latn-RS" altLang="en-US" dirty="0" smtClean="0"/>
-              <a:t>irine </a:t>
-            </a:r>
-            <a:r>
-              <a:rPr lang="sr-Latn-RS" altLang="en-US" dirty="0"/>
-              <a:t>4Khz i svaki pojas se nezavisno koristi za </a:t>
+              <a:t>irine 4K</a:t>
+            </a:r>
+            <a:r>
+              <a:rPr lang="en-US" altLang="en-US" dirty="0" smtClean="0"/>
+              <a:t>H</a:t>
+            </a:r>
+            <a:r>
+              <a:rPr lang="sr-Latn-RS" altLang="en-US" dirty="0" smtClean="0"/>
+              <a:t>z </a:t>
+            </a:r>
+            <a:r>
+              <a:rPr lang="sr-Latn-RS" altLang="en-US" dirty="0"/>
+              <a:t>i svaki pojas se nezavisno koristi za </a:t>
             </a:r>
             <a:r>
               <a:rPr lang="sr-Latn-RS" altLang="en-US" dirty="0" smtClean="0"/>
@@ -32289,7 +32313,7 @@
             </a:r>
             <a:r>
               <a:rPr lang="en-US" altLang="en-US" dirty="0" err="1" smtClean="0"/>
-              <a:t>izmed</a:t>
+              <a:t>izme</a:t>
             </a:r>
             <a:r>
               <a:rPr lang="sr-Latn-RS" altLang="en-US" dirty="0" smtClean="0"/>

--- a/predavanja/prezentacije/IP01-02-Uvod u Internet.pptx
+++ b/predavanja/prezentacije/IP01-02-Uvod u Internet.pptx
@@ -307,7 +307,7 @@
           <a:p>
             <a:fld id="{F07B70C6-757F-4600-A347-5E68BBCA3609}" type="datetimeFigureOut">
               <a:rPr lang="en-US" smtClean="0"/>
-              <a:t>10/23/2018</a:t>
+              <a:t>11/14/2018</a:t>
             </a:fld>
             <a:endParaRPr lang="en-US"/>
           </a:p>
@@ -472,7 +472,7 @@
           <a:p>
             <a:fld id="{6B3683FA-0560-4266-A2CA-8A7D404C35FD}" type="datetimeFigureOut">
               <a:rPr lang="en-US" smtClean="0"/>
-              <a:t>10/23/2018</a:t>
+              <a:t>11/14/2018</a:t>
             </a:fld>
             <a:endParaRPr lang="en-US"/>
           </a:p>
@@ -7382,7 +7382,7 @@
           <p:cNvSpPr txBox="1">
             <a:spLocks noChangeArrowheads="1"/>
           </p:cNvSpPr>
-          <p:nvPr userDrawn="1"/>
+          <p:nvPr/>
         </p:nvSpPr>
         <p:spPr bwMode="auto">
           <a:xfrm>
@@ -7759,7 +7759,7 @@
           <p:cNvSpPr txBox="1">
             <a:spLocks noChangeArrowheads="1"/>
           </p:cNvSpPr>
-          <p:nvPr userDrawn="1"/>
+          <p:nvPr/>
         </p:nvSpPr>
         <p:spPr bwMode="auto">
           <a:xfrm>
@@ -7943,7 +7943,7 @@
           <p:cNvPicPr>
             <a:picLocks noChangeAspect="1" noChangeArrowheads="1"/>
           </p:cNvPicPr>
-          <p:nvPr userDrawn="1"/>
+          <p:nvPr/>
         </p:nvPicPr>
         <p:blipFill>
           <a:blip r:embed="rId8">
@@ -26466,7 +26466,23 @@
             </a:r>
             <a:r>
               <a:rPr lang="sr-Latn-RS" altLang="en-US" dirty="0"/>
-              <a:t>pomenuti studentski server Matematiˇckog fakulteta u Beogradu </a:t>
+              <a:t>pomenuti studentski server </a:t>
+            </a:r>
+            <a:r>
+              <a:rPr lang="sr-Latn-RS" altLang="en-US" dirty="0" smtClean="0"/>
+              <a:t>Matemati</a:t>
+            </a:r>
+            <a:r>
+              <a:rPr lang="sr-Latn-RS" altLang="en-US" dirty="0"/>
+              <a:t>č</a:t>
+            </a:r>
+            <a:r>
+              <a:rPr lang="sr-Latn-RS" altLang="en-US" dirty="0" smtClean="0"/>
+              <a:t>kog </a:t>
+            </a:r>
+            <a:r>
+              <a:rPr lang="sr-Latn-RS" altLang="en-US" dirty="0"/>
+              <a:t>fakulteta u Beogradu </a:t>
             </a:r>
             <a:r>
               <a:rPr lang="sr-Latn-RS" altLang="en-US" dirty="0" smtClean="0"/>
@@ -27466,7 +27482,23 @@
             </a:r>
             <a:r>
               <a:rPr lang="sr-Latn-RS" altLang="en-US" dirty="0"/>
-              <a:t>su poslati). S obzirom da niˇzi mreˇzni slojevi ne garantuju dostavu paketa,</a:t>
+              <a:t>su poslati). S obzirom da </a:t>
+            </a:r>
+            <a:r>
+              <a:rPr lang="sr-Latn-RS" altLang="en-US" dirty="0" smtClean="0"/>
+              <a:t>niži mre</a:t>
+            </a:r>
+            <a:r>
+              <a:rPr lang="sr-Latn-RS" altLang="en-US" dirty="0"/>
+              <a:t>ž</a:t>
+            </a:r>
+            <a:r>
+              <a:rPr lang="sr-Latn-RS" altLang="en-US" dirty="0" smtClean="0"/>
+              <a:t>ni </a:t>
+            </a:r>
+            <a:r>
+              <a:rPr lang="sr-Latn-RS" altLang="en-US" dirty="0"/>
+              <a:t>slojevi ne garantuju dostavu paketa,</a:t>
             </a:r>
           </a:p>
           <a:p>
@@ -32896,7 +32928,15 @@
             </a:r>
             <a:r>
               <a:rPr lang="sr-Latn-RS" altLang="en-US" dirty="0"/>
-              <a:t>nakon ˇsto je uspostavljena TCP konekcija sa nekih </a:t>
+              <a:t>nakon š</a:t>
+            </a:r>
+            <a:r>
+              <a:rPr lang="sr-Latn-RS" altLang="en-US" dirty="0" smtClean="0"/>
+              <a:t>to </a:t>
+            </a:r>
+            <a:r>
+              <a:rPr lang="sr-Latn-RS" altLang="en-US" dirty="0"/>
+              <a:t>je uspostavljena TCP konekcija sa nekih </a:t>
             </a:r>
             <a:r>
               <a:rPr lang="sr-Latn-RS" altLang="en-US" dirty="0" smtClean="0"/>
